--- a/Workshop-1.pptx
+++ b/Workshop-1.pptx
@@ -12,8 +12,7 @@
     <p:sldId id="263" r:id="rId6"/>
     <p:sldId id="258" r:id="rId7"/>
     <p:sldId id="259" r:id="rId8"/>
-    <p:sldId id="264" r:id="rId9"/>
-    <p:sldId id="260" r:id="rId10"/>
+    <p:sldId id="260" r:id="rId9"/>
   </p:sldIdLst>
   <p:sldSz cx="12192000" cy="6858000"/>
   <p:notesSz cx="6858000" cy="9144000"/>
@@ -114,7 +113,7 @@
   </p:defaultTextStyle>
   <p:extLst>
     <p:ext uri="{EFAFB233-063F-42B5-8137-9DF3F51BA10A}">
-      <p15:sldGuideLst xmlns:p15="http://schemas.microsoft.com/office/powerpoint/2012/main"/>
+      <p15:sldGuideLst xmlns:p15="http://schemas.microsoft.com/office/powerpoint/2012/main" xmlns=""/>
     </p:ext>
   </p:extLst>
 </p:presentation>
@@ -297,7 +296,7 @@
           <a:p>
             <a:fld id="{E294B948-286E-4EB3-9DCB-5E9299AF4650}" type="datetimeFigureOut">
               <a:rPr lang="en-US" smtClean="0"/>
-              <a:t>2/13/2015</a:t>
+              <a:t>2/14/15</a:t>
             </a:fld>
             <a:endParaRPr lang="en-US"/>
           </a:p>
@@ -497,7 +496,7 @@
           <a:p>
             <a:fld id="{E294B948-286E-4EB3-9DCB-5E9299AF4650}" type="datetimeFigureOut">
               <a:rPr lang="en-US" smtClean="0"/>
-              <a:t>2/13/2015</a:t>
+              <a:t>2/14/15</a:t>
             </a:fld>
             <a:endParaRPr lang="en-US"/>
           </a:p>
@@ -677,7 +676,7 @@
           <a:p>
             <a:fld id="{E294B948-286E-4EB3-9DCB-5E9299AF4650}" type="datetimeFigureOut">
               <a:rPr lang="en-US" smtClean="0"/>
-              <a:t>2/13/2015</a:t>
+              <a:t>2/14/15</a:t>
             </a:fld>
             <a:endParaRPr lang="en-US"/>
           </a:p>
@@ -890,7 +889,7 @@
           <a:p>
             <a:fld id="{E294B948-286E-4EB3-9DCB-5E9299AF4650}" type="datetimeFigureOut">
               <a:rPr lang="en-US" smtClean="0"/>
-              <a:t>2/13/2015</a:t>
+              <a:t>2/14/15</a:t>
             </a:fld>
             <a:endParaRPr lang="en-US"/>
           </a:p>
@@ -1166,7 +1165,7 @@
           <a:p>
             <a:fld id="{E294B948-286E-4EB3-9DCB-5E9299AF4650}" type="datetimeFigureOut">
               <a:rPr lang="en-US" smtClean="0"/>
-              <a:t>2/13/2015</a:t>
+              <a:t>2/14/15</a:t>
             </a:fld>
             <a:endParaRPr lang="en-US"/>
           </a:p>
@@ -1398,7 +1397,7 @@
           <a:p>
             <a:fld id="{E294B948-286E-4EB3-9DCB-5E9299AF4650}" type="datetimeFigureOut">
               <a:rPr lang="en-US" smtClean="0"/>
-              <a:t>2/13/2015</a:t>
+              <a:t>2/14/15</a:t>
             </a:fld>
             <a:endParaRPr lang="en-US"/>
           </a:p>
@@ -1765,7 +1764,7 @@
           <a:p>
             <a:fld id="{E294B948-286E-4EB3-9DCB-5E9299AF4650}" type="datetimeFigureOut">
               <a:rPr lang="en-US" smtClean="0"/>
-              <a:t>2/13/2015</a:t>
+              <a:t>2/14/15</a:t>
             </a:fld>
             <a:endParaRPr lang="en-US"/>
           </a:p>
@@ -1883,7 +1882,7 @@
           <a:p>
             <a:fld id="{E294B948-286E-4EB3-9DCB-5E9299AF4650}" type="datetimeFigureOut">
               <a:rPr lang="en-US" smtClean="0"/>
-              <a:t>2/13/2015</a:t>
+              <a:t>2/14/15</a:t>
             </a:fld>
             <a:endParaRPr lang="en-US"/>
           </a:p>
@@ -1978,7 +1977,7 @@
           <a:p>
             <a:fld id="{E294B948-286E-4EB3-9DCB-5E9299AF4650}" type="datetimeFigureOut">
               <a:rPr lang="en-US" smtClean="0"/>
-              <a:t>2/13/2015</a:t>
+              <a:t>2/14/15</a:t>
             </a:fld>
             <a:endParaRPr lang="en-US"/>
           </a:p>
@@ -2255,7 +2254,7 @@
           <a:p>
             <a:fld id="{E294B948-286E-4EB3-9DCB-5E9299AF4650}" type="datetimeFigureOut">
               <a:rPr lang="en-US" smtClean="0"/>
-              <a:t>2/13/2015</a:t>
+              <a:t>2/14/15</a:t>
             </a:fld>
             <a:endParaRPr lang="en-US"/>
           </a:p>
@@ -2508,7 +2507,7 @@
           <a:p>
             <a:fld id="{E294B948-286E-4EB3-9DCB-5E9299AF4650}" type="datetimeFigureOut">
               <a:rPr lang="en-US" smtClean="0"/>
-              <a:t>2/13/2015</a:t>
+              <a:t>2/14/15</a:t>
             </a:fld>
             <a:endParaRPr lang="en-US"/>
           </a:p>
@@ -2721,7 +2720,7 @@
           <a:p>
             <a:fld id="{E294B948-286E-4EB3-9DCB-5E9299AF4650}" type="datetimeFigureOut">
               <a:rPr lang="en-US" smtClean="0"/>
-              <a:t>2/13/2015</a:t>
+              <a:t>2/14/15</a:t>
             </a:fld>
             <a:endParaRPr lang="en-US"/>
           </a:p>
@@ -3197,7 +3196,7 @@
   <p:timing>
     <p:tnLst>
       <p:par>
-        <p:cTn id="1" dur="indefinite" restart="never" nodeType="tmRoot"/>
+        <p:cTn xmlns:p14="http://schemas.microsoft.com/office/powerpoint/2010/main" id="1" dur="indefinite" restart="never" nodeType="tmRoot"/>
       </p:par>
     </p:tnLst>
   </p:timing>
@@ -3348,7 +3347,7 @@
   <p:timing>
     <p:tnLst>
       <p:par>
-        <p:cTn id="1" dur="indefinite" restart="never" nodeType="tmRoot"/>
+        <p:cTn xmlns:p14="http://schemas.microsoft.com/office/powerpoint/2010/main" id="1" dur="indefinite" restart="never" nodeType="tmRoot"/>
       </p:par>
     </p:tnLst>
   </p:timing>
@@ -3491,7 +3490,7 @@
   <p:timing>
     <p:tnLst>
       <p:par>
-        <p:cTn id="1" dur="indefinite" restart="never" nodeType="tmRoot"/>
+        <p:cTn xmlns:p14="http://schemas.microsoft.com/office/powerpoint/2010/main" id="1" dur="indefinite" restart="never" nodeType="tmRoot"/>
       </p:par>
     </p:tnLst>
   </p:timing>
@@ -3656,7 +3655,7 @@
   <p:timing>
     <p:tnLst>
       <p:par>
-        <p:cTn id="1" dur="indefinite" restart="never" nodeType="tmRoot"/>
+        <p:cTn xmlns:p14="http://schemas.microsoft.com/office/powerpoint/2010/main" id="1" dur="indefinite" restart="never" nodeType="tmRoot"/>
       </p:par>
     </p:tnLst>
   </p:timing>
@@ -3823,7 +3822,7 @@
   <p:timing>
     <p:tnLst>
       <p:par>
-        <p:cTn id="1" dur="indefinite" restart="never" nodeType="tmRoot"/>
+        <p:cTn xmlns:p14="http://schemas.microsoft.com/office/powerpoint/2010/main" id="1" dur="indefinite" restart="never" nodeType="tmRoot"/>
       </p:par>
     </p:tnLst>
   </p:timing>
@@ -4005,7 +4004,7 @@
         <p:spPr>
           <a:xfrm>
             <a:off x="333076" y="4374638"/>
-            <a:ext cx="3734873" cy="1754326"/>
+            <a:ext cx="3734873" cy="646331"/>
           </a:xfrm>
           <a:prstGeom prst="rect">
             <a:avLst/>
@@ -4026,19 +4025,7 @@
               <a:rPr lang="en-IN" dirty="0" smtClean="0">
                 <a:latin typeface="+mj-lt"/>
               </a:rPr>
-              <a:t>What is the most accurate way of “guessing” what the empty data will be? </a:t>
-            </a:r>
-          </a:p>
-          <a:p>
-            <a:pPr marL="285750" indent="-285750">
-              <a:buFont typeface="Arial" panose="020B0604020202020204" pitchFamily="34" charset="0"/>
-              <a:buChar char="•"/>
-            </a:pPr>
-            <a:r>
-              <a:rPr lang="en-IN" dirty="0" smtClean="0">
-                <a:latin typeface="+mj-lt"/>
-              </a:rPr>
-              <a:t>With this data set, what characteristics should we segment on?</a:t>
+              <a:t>What do we do with so much missing data?</a:t>
             </a:r>
             <a:endParaRPr lang="en-IN" dirty="0">
               <a:latin typeface="+mj-lt"/>
@@ -4059,7 +4046,7 @@
   <p:timing>
     <p:tnLst>
       <p:par>
-        <p:cTn id="1" dur="indefinite" restart="never" nodeType="tmRoot"/>
+        <p:cTn xmlns:p14="http://schemas.microsoft.com/office/powerpoint/2010/main" id="1" dur="indefinite" restart="never" nodeType="tmRoot"/>
       </p:par>
     </p:tnLst>
   </p:timing>
@@ -4104,7 +4091,15 @@
                   <a:schemeClr val="bg1"/>
                 </a:solidFill>
               </a:rPr>
-              <a:t>Handling Incomplete Data: Replacement</a:t>
+              <a:t>Handling Incomplete Data: </a:t>
+            </a:r>
+            <a:r>
+              <a:rPr lang="en-IN" dirty="0" smtClean="0">
+                <a:solidFill>
+                  <a:schemeClr val="bg1"/>
+                </a:solidFill>
+              </a:rPr>
+              <a:t>Imputation</a:t>
             </a:r>
             <a:endParaRPr lang="en-IN" dirty="0">
               <a:solidFill>
@@ -4212,7 +4207,7 @@
           </a:prstGeom>
           <a:noFill/>
           <a:extLst>
-            <a:ext uri="{909E8E84-426E-40DD-AFC4-6F175D3DCCD1}">
+            <a:ext uri="{909E8E84-426E-40dd-AFC4-6F175D3DCCD1}">
               <a14:hiddenFill xmlns:a14="http://schemas.microsoft.com/office/drawing/2010/main">
                 <a:solidFill>
                   <a:srgbClr val="FFFFFF"/>
@@ -4235,7 +4230,7 @@
   <p:timing>
     <p:tnLst>
       <p:par>
-        <p:cTn id="1" dur="indefinite" restart="never" nodeType="tmRoot"/>
+        <p:cTn xmlns:p14="http://schemas.microsoft.com/office/powerpoint/2010/main" id="1" dur="indefinite" restart="never" nodeType="tmRoot"/>
       </p:par>
     </p:tnLst>
   </p:timing>
@@ -4243,95 +4238,6 @@
 </file>
 
 <file path=ppt/slides/slide8.xml><?xml version="1.0" encoding="utf-8"?>
-<p:sld xmlns:a="http://schemas.openxmlformats.org/drawingml/2006/main" xmlns:r="http://schemas.openxmlformats.org/officeDocument/2006/relationships" xmlns:p="http://schemas.openxmlformats.org/presentationml/2006/main">
-  <p:cSld>
-    <p:spTree>
-      <p:nvGrpSpPr>
-        <p:cNvPr id="1" name=""/>
-        <p:cNvGrpSpPr/>
-        <p:nvPr/>
-      </p:nvGrpSpPr>
-      <p:grpSpPr>
-        <a:xfrm>
-          <a:off x="0" y="0"/>
-          <a:ext cx="0" cy="0"/>
-          <a:chOff x="0" y="0"/>
-          <a:chExt cx="0" cy="0"/>
-        </a:xfrm>
-      </p:grpSpPr>
-      <p:sp>
-        <p:nvSpPr>
-          <p:cNvPr id="2" name="Title 1"/>
-          <p:cNvSpPr>
-            <a:spLocks noGrp="1"/>
-          </p:cNvSpPr>
-          <p:nvPr>
-            <p:ph type="title"/>
-          </p:nvPr>
-        </p:nvSpPr>
-        <p:spPr/>
-        <p:txBody>
-          <a:bodyPr/>
-          <a:lstStyle/>
-          <a:p>
-            <a:r>
-              <a:rPr lang="en-IN" dirty="0" smtClean="0">
-                <a:solidFill>
-                  <a:schemeClr val="bg1"/>
-                </a:solidFill>
-              </a:rPr>
-              <a:t>Handling Outliers</a:t>
-            </a:r>
-            <a:endParaRPr lang="en-IN" dirty="0">
-              <a:solidFill>
-                <a:schemeClr val="bg1"/>
-              </a:solidFill>
-            </a:endParaRPr>
-          </a:p>
-        </p:txBody>
-      </p:sp>
-      <p:sp>
-        <p:nvSpPr>
-          <p:cNvPr id="3" name="Content Placeholder 2"/>
-          <p:cNvSpPr>
-            <a:spLocks noGrp="1"/>
-          </p:cNvSpPr>
-          <p:nvPr>
-            <p:ph idx="1"/>
-          </p:nvPr>
-        </p:nvSpPr>
-        <p:spPr/>
-        <p:txBody>
-          <a:bodyPr/>
-          <a:lstStyle/>
-          <a:p>
-            <a:endParaRPr lang="en-IN" dirty="0">
-              <a:latin typeface="+mj-lt"/>
-            </a:endParaRPr>
-          </a:p>
-        </p:txBody>
-      </p:sp>
-    </p:spTree>
-    <p:extLst>
-      <p:ext uri="{BB962C8B-B14F-4D97-AF65-F5344CB8AC3E}">
-        <p14:creationId xmlns:p14="http://schemas.microsoft.com/office/powerpoint/2010/main" val="3803990656"/>
-      </p:ext>
-    </p:extLst>
-  </p:cSld>
-  <p:clrMapOvr>
-    <a:masterClrMapping/>
-  </p:clrMapOvr>
-  <p:timing>
-    <p:tnLst>
-      <p:par>
-        <p:cTn id="1" dur="indefinite" restart="never" nodeType="tmRoot"/>
-      </p:par>
-    </p:tnLst>
-  </p:timing>
-</p:sld>
-</file>
-
-<file path=ppt/slides/slide9.xml><?xml version="1.0" encoding="utf-8"?>
 <p:sld xmlns:a="http://schemas.openxmlformats.org/drawingml/2006/main" xmlns:r="http://schemas.openxmlformats.org/officeDocument/2006/relationships" xmlns:p="http://schemas.openxmlformats.org/presentationml/2006/main">
   <p:cSld>
     <p:spTree>
@@ -4539,7 +4445,7 @@
   <p:timing>
     <p:tnLst>
       <p:par>
-        <p:cTn id="1" dur="indefinite" restart="never" nodeType="tmRoot"/>
+        <p:cTn xmlns:p14="http://schemas.microsoft.com/office/powerpoint/2010/main" id="1" dur="indefinite" restart="never" nodeType="tmRoot"/>
       </p:par>
     </p:tnLst>
   </p:timing>
@@ -4589,7 +4495,7 @@
     </a:clrScheme>
     <a:fontScheme name="Garamond-Trebuchet MS">
       <a:majorFont>
-        <a:latin typeface="Garamond" panose="02020404030301010803"/>
+        <a:latin typeface="Garamond"/>
         <a:ea typeface=""/>
         <a:cs typeface=""/>
         <a:font script="Jpan" typeface="ＭＳ Ｐゴシック"/>
@@ -4624,7 +4530,7 @@
         <a:font script="Geor" typeface="Sylfaen"/>
       </a:majorFont>
       <a:minorFont>
-        <a:latin typeface="Trebuchet MS" panose="020B0603020202020204"/>
+        <a:latin typeface="Trebuchet MS"/>
         <a:ea typeface=""/>
         <a:cs typeface=""/>
         <a:font script="Jpan" typeface="HGｺﾞｼｯｸM"/>
@@ -4801,7 +4707,7 @@
   <a:extraClrSchemeLst/>
   <a:extLst>
     <a:ext uri="{05A4C25C-085E-4340-85A3-A5531E510DB2}">
-      <thm15:themeFamily xmlns:thm15="http://schemas.microsoft.com/office/thememl/2012/main" name="Office Theme" id="{62F939B6-93AF-4DB8-9C6B-D6C7DFDC589F}" vid="{4A3C46E8-61CC-4603-A589-7422A47A8E4A}"/>
+      <thm15:themeFamily xmlns:thm15="http://schemas.microsoft.com/office/thememl/2012/main" xmlns="" name="Office Theme" id="{62F939B6-93AF-4DB8-9C6B-D6C7DFDC589F}" vid="{4A3C46E8-61CC-4603-A589-7422A47A8E4A}"/>
     </a:ext>
   </a:extLst>
 </a:theme>
